--- a/pptx/Hadoop.pptx
+++ b/pptx/Hadoop.pptx
@@ -15,10 +15,10 @@
     <p:sldId id="276" r:id="rId6"/>
     <p:sldId id="277" r:id="rId7"/>
     <p:sldId id="275" r:id="rId8"/>
-    <p:sldId id="261" r:id="rId9"/>
-    <p:sldId id="273" r:id="rId10"/>
-    <p:sldId id="272" r:id="rId11"/>
-    <p:sldId id="280" r:id="rId12"/>
+    <p:sldId id="282" r:id="rId9"/>
+    <p:sldId id="283" r:id="rId10"/>
+    <p:sldId id="284" r:id="rId11"/>
+    <p:sldId id="285" r:id="rId12"/>
   </p:sldIdLst>
   <p:sldSz cx="9144000" cy="6858000" type="screen4x3"/>
   <p:notesSz cx="6858000" cy="9144000"/>
@@ -129,18 +129,10 @@
             <p14:sldId id="276"/>
             <p14:sldId id="277"/>
             <p14:sldId id="275"/>
-          </p14:sldIdLst>
-        </p14:section>
-        <p14:section name="專案總覽" id="{087866C3-7028-482C-8D34-6BF5363FBD75}">
-          <p14:sldIdLst>
-            <p14:sldId id="261"/>
-          </p14:sldIdLst>
-        </p14:section>
-        <p14:section name="進度更新" id="{521DEF98-8796-4632-831A-16252E9A6054}">
-          <p14:sldIdLst>
-            <p14:sldId id="273"/>
-            <p14:sldId id="272"/>
-            <p14:sldId id="280"/>
+            <p14:sldId id="282"/>
+            <p14:sldId id="283"/>
+            <p14:sldId id="284"/>
+            <p14:sldId id="285"/>
           </p14:sldIdLst>
         </p14:section>
         <p14:section name="附錄" id="{E35CCD6A-2288-476E-BC93-C75323AE1F32}">
@@ -6128,7 +6120,7 @@
     </p:custDataLst>
     <p:extLst>
       <p:ext uri="{BB962C8B-B14F-4D97-AF65-F5344CB8AC3E}">
-        <p14:creationId xmlns:p14="http://schemas.microsoft.com/office/powerpoint/2010/main" val="2115336175"/>
+        <p14:creationId xmlns:p14="http://schemas.microsoft.com/office/powerpoint/2010/main" val="2154893640"/>
       </p:ext>
     </p:extLst>
   </p:cSld>
@@ -6374,7 +6366,7 @@
     </p:spTree>
     <p:extLst>
       <p:ext uri="{BB962C8B-B14F-4D97-AF65-F5344CB8AC3E}">
-        <p14:creationId xmlns:p14="http://schemas.microsoft.com/office/powerpoint/2010/main" val="670776708"/>
+        <p14:creationId xmlns:p14="http://schemas.microsoft.com/office/powerpoint/2010/main" val="1480533687"/>
       </p:ext>
     </p:extLst>
   </p:cSld>
@@ -8738,6 +8730,11 @@
     <p:custDataLst>
       <p:tags r:id="rId1"/>
     </p:custDataLst>
+    <p:extLst>
+      <p:ext uri="{BB962C8B-B14F-4D97-AF65-F5344CB8AC3E}">
+        <p14:creationId xmlns:p14="http://schemas.microsoft.com/office/powerpoint/2010/main" val="2979518891"/>
+      </p:ext>
+    </p:extLst>
   </p:cSld>
   <p:clrMapOvr>
     <a:masterClrMapping/>
@@ -8864,7 +8861,7 @@
     </p:custDataLst>
     <p:extLst>
       <p:ext uri="{BB962C8B-B14F-4D97-AF65-F5344CB8AC3E}">
-        <p14:creationId xmlns:p14="http://schemas.microsoft.com/office/powerpoint/2010/main" val="1774994062"/>
+        <p14:creationId xmlns:p14="http://schemas.microsoft.com/office/powerpoint/2010/main" val="3525555409"/>
       </p:ext>
     </p:extLst>
   </p:cSld>
